--- a/Javascript - WK03.pptx
+++ b/Javascript - WK03.pptx
@@ -7718,7 +7718,15 @@
             </a:pPr>
             <a:r>
               <a:rPr lang="en"/>
-              <a:t>Booleans and Compaison Operators</a:t>
+              <a:t>Booleans and </a:t>
+            </a:r>
+            <a:r>
+              <a:rPr lang="en"/>
+              <a:t>Comparison</a:t>
+            </a:r>
+            <a:r>
+              <a:rPr lang="en"/>
+              <a:t> Operators</a:t>
             </a:r>
             <a:endParaRPr/>
           </a:p>
